--- a/DOKS-SaaS-Deliverable.pptx
+++ b/DOKS-SaaS-Deliverable.pptx
@@ -4123,8 +4123,8 @@
         </p:nvSpPr>
         <p:spPr>
           <a:xfrm>
-            <a:off x="457200" y="274680"/>
-            <a:ext cx="8228880" cy="1142280"/>
+            <a:off x="457200" y="273600"/>
+            <a:ext cx="8228880" cy="1144440"/>
           </a:xfrm>
           <a:prstGeom prst="rect">
             <a:avLst/>
@@ -4160,7 +4160,7 @@
         <p:spPr>
           <a:xfrm>
             <a:off x="457200" y="1604520"/>
-            <a:ext cx="8229240" cy="3977280"/>
+            <a:ext cx="8228880" cy="3976920"/>
           </a:xfrm>
           <a:prstGeom prst="rect">
             <a:avLst/>
@@ -4183,12 +4183,12 @@
               <a:buChar char=""/>
             </a:pPr>
             <a:r>
-              <a:rPr b="0" lang="en-US" sz="3200" spc="-1" strike="noStrike">
+              <a:rPr b="0" lang="en-US" sz="1800" spc="-1" strike="noStrike">
                 <a:latin typeface="Arial"/>
               </a:rPr>
               <a:t>Click to edit the outline text format</a:t>
             </a:r>
-            <a:endParaRPr b="0" lang="en-US" sz="3200" spc="-1" strike="noStrike">
+            <a:endParaRPr b="0" lang="en-US" sz="1800" spc="-1" strike="noStrike">
               <a:latin typeface="Arial"/>
             </a:endParaRPr>
           </a:p>
@@ -4205,12 +4205,12 @@
               <a:buChar char=""/>
             </a:pPr>
             <a:r>
-              <a:rPr b="0" lang="en-US" sz="2800" spc="-1" strike="noStrike">
+              <a:rPr b="0" lang="en-US" sz="1800" spc="-1" strike="noStrike">
                 <a:latin typeface="Arial"/>
               </a:rPr>
               <a:t>Second Outline Level</a:t>
             </a:r>
-            <a:endParaRPr b="0" lang="en-US" sz="2800" spc="-1" strike="noStrike">
+            <a:endParaRPr b="0" lang="en-US" sz="1800" spc="-1" strike="noStrike">
               <a:latin typeface="Arial"/>
             </a:endParaRPr>
           </a:p>
@@ -4227,12 +4227,12 @@
               <a:buChar char=""/>
             </a:pPr>
             <a:r>
-              <a:rPr b="0" lang="en-US" sz="2400" spc="-1" strike="noStrike">
+              <a:rPr b="0" lang="en-US" sz="1800" spc="-1" strike="noStrike">
                 <a:latin typeface="Arial"/>
               </a:rPr>
               <a:t>Third Outline Level</a:t>
             </a:r>
-            <a:endParaRPr b="0" lang="en-US" sz="2400" spc="-1" strike="noStrike">
+            <a:endParaRPr b="0" lang="en-US" sz="1800" spc="-1" strike="noStrike">
               <a:latin typeface="Arial"/>
             </a:endParaRPr>
           </a:p>
@@ -4249,12 +4249,12 @@
               <a:buChar char=""/>
             </a:pPr>
             <a:r>
-              <a:rPr b="0" lang="en-US" sz="2000" spc="-1" strike="noStrike">
+              <a:rPr b="0" lang="en-US" sz="1800" spc="-1" strike="noStrike">
                 <a:latin typeface="Arial"/>
               </a:rPr>
               <a:t>Fourth Outline Level</a:t>
             </a:r>
-            <a:endParaRPr b="0" lang="en-US" sz="2000" spc="-1" strike="noStrike">
+            <a:endParaRPr b="0" lang="en-US" sz="1800" spc="-1" strike="noStrike">
               <a:latin typeface="Arial"/>
             </a:endParaRPr>
           </a:p>
@@ -4271,12 +4271,12 @@
               <a:buChar char=""/>
             </a:pPr>
             <a:r>
-              <a:rPr b="0" lang="en-US" sz="2000" spc="-1" strike="noStrike">
+              <a:rPr b="0" lang="en-US" sz="1800" spc="-1" strike="noStrike">
                 <a:latin typeface="Arial"/>
               </a:rPr>
               <a:t>Fifth Outline Level</a:t>
             </a:r>
-            <a:endParaRPr b="0" lang="en-US" sz="2000" spc="-1" strike="noStrike">
+            <a:endParaRPr b="0" lang="en-US" sz="1800" spc="-1" strike="noStrike">
               <a:latin typeface="Arial"/>
             </a:endParaRPr>
           </a:p>
@@ -4293,12 +4293,12 @@
               <a:buChar char=""/>
             </a:pPr>
             <a:r>
-              <a:rPr b="0" lang="en-US" sz="2000" spc="-1" strike="noStrike">
+              <a:rPr b="0" lang="en-US" sz="1800" spc="-1" strike="noStrike">
                 <a:latin typeface="Arial"/>
               </a:rPr>
               <a:t>Sixth Outline Level</a:t>
             </a:r>
-            <a:endParaRPr b="0" lang="en-US" sz="2000" spc="-1" strike="noStrike">
+            <a:endParaRPr b="0" lang="en-US" sz="1800" spc="-1" strike="noStrike">
               <a:latin typeface="Arial"/>
             </a:endParaRPr>
           </a:p>
@@ -4315,12 +4315,12 @@
               <a:buChar char=""/>
             </a:pPr>
             <a:r>
-              <a:rPr b="0" lang="en-US" sz="2000" spc="-1" strike="noStrike">
+              <a:rPr b="0" lang="en-US" sz="1800" spc="-1" strike="noStrike">
                 <a:latin typeface="Arial"/>
               </a:rPr>
               <a:t>Seventh Outline Level</a:t>
             </a:r>
-            <a:endParaRPr b="0" lang="en-US" sz="2000" spc="-1" strike="noStrike">
+            <a:endParaRPr b="0" lang="en-US" sz="1800" spc="-1" strike="noStrike">
               <a:latin typeface="Arial"/>
             </a:endParaRPr>
           </a:p>
@@ -4892,7 +4892,7 @@
         <p:spPr>
           <a:xfrm>
             <a:off x="685800" y="2130480"/>
-            <a:ext cx="7771680" cy="1469160"/>
+            <a:ext cx="7771320" cy="1468800"/>
           </a:xfrm>
           <a:prstGeom prst="rect">
             <a:avLst/>
@@ -4924,6 +4924,7 @@
                   <a:srgbClr val="000000"/>
                 </a:solidFill>
                 <a:latin typeface="Calibri"/>
+                <a:ea typeface="DejaVu Sans"/>
               </a:rPr>
               <a:t>SaaS on DigitalOcean Kubernetes (DOKS)</a:t>
             </a:r>
@@ -4942,7 +4943,7 @@
         <p:spPr>
           <a:xfrm>
             <a:off x="1371600" y="3886200"/>
-            <a:ext cx="6400080" cy="1751760"/>
+            <a:ext cx="6399720" cy="1751400"/>
           </a:xfrm>
           <a:prstGeom prst="rect">
             <a:avLst/>
@@ -4980,6 +4981,7 @@
                   <a:srgbClr val="8b8b8b"/>
                 </a:solidFill>
                 <a:latin typeface="Calibri"/>
+                <a:ea typeface="DejaVu Sans"/>
               </a:rPr>
               <a:t>Architecture, Setup Guide, and QBR Summary</a:t>
             </a:r>
@@ -5028,7 +5030,7 @@
         <p:spPr>
           <a:xfrm>
             <a:off x="3396960" y="182880"/>
-            <a:ext cx="2349360" cy="363960"/>
+            <a:ext cx="2349000" cy="363960"/>
           </a:xfrm>
           <a:prstGeom prst="rect">
             <a:avLst/>
@@ -5079,7 +5081,7 @@
         <p:spPr>
           <a:xfrm>
             <a:off x="360000" y="720000"/>
-            <a:ext cx="7919280" cy="4319280"/>
+            <a:ext cx="7918920" cy="4318920"/>
           </a:xfrm>
           <a:prstGeom prst="rect">
             <a:avLst/>
@@ -5156,7 +5158,7 @@
         <p:spPr>
           <a:xfrm>
             <a:off x="457200" y="1143000"/>
-            <a:ext cx="7199280" cy="3599280"/>
+            <a:ext cx="7198920" cy="3598920"/>
           </a:xfrm>
           <a:prstGeom prst="rect">
             <a:avLst/>
@@ -5233,7 +5235,7 @@
         <p:spPr>
           <a:xfrm>
             <a:off x="1080000" y="1440000"/>
-            <a:ext cx="2159280" cy="719280"/>
+            <a:ext cx="2158920" cy="718920"/>
           </a:xfrm>
           <a:prstGeom prst="rect">
             <a:avLst/>
@@ -5340,7 +5342,7 @@
         <p:spPr>
           <a:xfrm>
             <a:off x="3600000" y="1440000"/>
-            <a:ext cx="1439280" cy="719280"/>
+            <a:ext cx="1438920" cy="718920"/>
           </a:xfrm>
           <a:prstGeom prst="rect">
             <a:avLst/>
@@ -5417,7 +5419,7 @@
         <p:spPr>
           <a:xfrm>
             <a:off x="5400000" y="1440000"/>
-            <a:ext cx="1439280" cy="719280"/>
+            <a:ext cx="1438920" cy="718920"/>
           </a:xfrm>
           <a:prstGeom prst="rect">
             <a:avLst/>
@@ -5494,7 +5496,7 @@
         <p:spPr>
           <a:xfrm>
             <a:off x="3886200" y="2520000"/>
-            <a:ext cx="2953080" cy="719280"/>
+            <a:ext cx="2952720" cy="718920"/>
           </a:xfrm>
           <a:prstGeom prst="rect">
             <a:avLst/>
@@ -5571,7 +5573,7 @@
         <p:spPr>
           <a:xfrm>
             <a:off x="499680" y="2520000"/>
-            <a:ext cx="3320640" cy="364320"/>
+            <a:ext cx="3320640" cy="363960"/>
           </a:xfrm>
           <a:prstGeom prst="rect">
             <a:avLst/>
@@ -5652,7 +5654,7 @@
         <p:spPr>
           <a:xfrm>
             <a:off x="457200" y="274680"/>
-            <a:ext cx="8228880" cy="1142280"/>
+            <a:ext cx="8228520" cy="1141920"/>
           </a:xfrm>
           <a:prstGeom prst="rect">
             <a:avLst/>
@@ -5684,6 +5686,7 @@
                   <a:srgbClr val="000000"/>
                 </a:solidFill>
                 <a:latin typeface="Calibri"/>
+                <a:ea typeface="DejaVu Sans"/>
               </a:rPr>
               <a:t>Setup Guide (Step-by-Step)</a:t>
             </a:r>
@@ -5702,7 +5705,7 @@
         <p:spPr>
           <a:xfrm>
             <a:off x="457200" y="1600200"/>
-            <a:ext cx="8228880" cy="4525200"/>
+            <a:ext cx="8228520" cy="4524840"/>
           </a:xfrm>
           <a:prstGeom prst="rect">
             <a:avLst/>
@@ -5723,7 +5726,7 @@
             <a:noAutofit/>
           </a:bodyPr>
           <a:p>
-            <a:pPr marL="343080" indent="-342360">
+            <a:pPr marL="343080" indent="-342000">
               <a:lnSpc>
                 <a:spcPct val="100000"/>
               </a:lnSpc>
@@ -5742,15 +5745,16 @@
                   <a:srgbClr val="000000"/>
                 </a:solidFill>
                 <a:latin typeface="Calibri"/>
+                <a:ea typeface="DejaVu Sans"/>
               </a:rPr>
-              <a:t>1) Build &amp; push Docker image to your registry.</a:t>
+              <a:t>Build &amp; push Docker image to your registry.</a:t>
             </a:r>
             <a:endParaRPr b="0" lang="en-US" sz="3200" spc="-1" strike="noStrike">
               <a:latin typeface="Arial"/>
             </a:endParaRPr>
           </a:p>
           <a:p>
-            <a:pPr marL="343080" indent="-342360">
+            <a:pPr marL="343080" indent="-342000">
               <a:lnSpc>
                 <a:spcPct val="100000"/>
               </a:lnSpc>
@@ -5769,15 +5773,16 @@
                   <a:srgbClr val="000000"/>
                 </a:solidFill>
                 <a:latin typeface="Calibri"/>
+                <a:ea typeface="DejaVu Sans"/>
               </a:rPr>
-              <a:t>2) Fill terraform.tfvars.example (app_image, region, etc.).</a:t>
+              <a:t>Fill terraform.tfvars.example (app_image, region, etc.).</a:t>
             </a:r>
             <a:endParaRPr b="0" lang="en-US" sz="2800" spc="-1" strike="noStrike">
               <a:latin typeface="Arial"/>
             </a:endParaRPr>
           </a:p>
           <a:p>
-            <a:pPr marL="343080" indent="-342360">
+            <a:pPr marL="343080" indent="-342000">
               <a:lnSpc>
                 <a:spcPct val="100000"/>
               </a:lnSpc>
@@ -5796,25 +5801,16 @@
                   <a:srgbClr val="000000"/>
                 </a:solidFill>
                 <a:latin typeface="Calibri"/>
+                <a:ea typeface="DejaVu Sans"/>
               </a:rPr>
-              <a:t>3) terraform init &amp;&amp; terraform apply.</a:t>
-            </a:r>
-            <a:br/>
-            <a:r>
-              <a:rPr b="0" lang="en-US" sz="2800" spc="-1" strike="noStrike">
-                <a:solidFill>
-                  <a:srgbClr val="000000"/>
-                </a:solidFill>
-                <a:latin typeface="Calibri"/>
-              </a:rPr>
-              <a:t>4) Export kubeconfig from Terraform outputs.</a:t>
+              <a:t>terraform init &amp;&amp; terraform apply.</a:t>
             </a:r>
             <a:endParaRPr b="0" lang="en-US" sz="2800" spc="-1" strike="noStrike">
               <a:latin typeface="Arial"/>
             </a:endParaRPr>
           </a:p>
           <a:p>
-            <a:pPr marL="343080" indent="-342360">
+            <a:pPr marL="343080" indent="-342000">
               <a:lnSpc>
                 <a:spcPct val="100000"/>
               </a:lnSpc>
@@ -5833,15 +5829,16 @@
                   <a:srgbClr val="000000"/>
                 </a:solidFill>
                 <a:latin typeface="Calibri"/>
+                <a:ea typeface="DejaVu Sans"/>
               </a:rPr>
-              <a:t>5) Wait for LoadBalancer hostname and test.</a:t>
+              <a:t>Export kubeconfig from Terraform outputs.</a:t>
             </a:r>
             <a:endParaRPr b="0" lang="en-US" sz="2800" spc="-1" strike="noStrike">
               <a:latin typeface="Arial"/>
             </a:endParaRPr>
           </a:p>
           <a:p>
-            <a:pPr marL="343080" indent="-342360">
+            <a:pPr marL="343080" indent="-342000">
               <a:lnSpc>
                 <a:spcPct val="100000"/>
               </a:lnSpc>
@@ -5860,8 +5857,37 @@
                   <a:srgbClr val="000000"/>
                 </a:solidFill>
                 <a:latin typeface="Calibri"/>
+                <a:ea typeface="DejaVu Sans"/>
               </a:rPr>
-              <a:t>6) Use HPA to scale based on CPU load.</a:t>
+              <a:t>Wait for LoadBalancer hostname and test.</a:t>
+            </a:r>
+            <a:endParaRPr b="0" lang="en-US" sz="2800" spc="-1" strike="noStrike">
+              <a:latin typeface="Arial"/>
+            </a:endParaRPr>
+          </a:p>
+          <a:p>
+            <a:pPr marL="343080" indent="-342000">
+              <a:lnSpc>
+                <a:spcPct val="100000"/>
+              </a:lnSpc>
+              <a:spcBef>
+                <a:spcPts val="641"/>
+              </a:spcBef>
+              <a:buClr>
+                <a:srgbClr val="000000"/>
+              </a:buClr>
+              <a:buFont typeface="Arial"/>
+              <a:buChar char="•"/>
+            </a:pPr>
+            <a:r>
+              <a:rPr b="0" lang="en-US" sz="2800" spc="-1" strike="noStrike">
+                <a:solidFill>
+                  <a:srgbClr val="000000"/>
+                </a:solidFill>
+                <a:latin typeface="Calibri"/>
+                <a:ea typeface="DejaVu Sans"/>
+              </a:rPr>
+              <a:t>Use HPA to scale based on CPU load.</a:t>
             </a:r>
             <a:endParaRPr b="0" lang="en-US" sz="2800" spc="-1" strike="noStrike">
               <a:latin typeface="Arial"/>
@@ -5908,7 +5934,7 @@
         <p:spPr>
           <a:xfrm>
             <a:off x="457200" y="274680"/>
-            <a:ext cx="8228880" cy="1142280"/>
+            <a:ext cx="8228520" cy="1141920"/>
           </a:xfrm>
           <a:prstGeom prst="rect">
             <a:avLst/>
@@ -5940,6 +5966,7 @@
                   <a:srgbClr val="000000"/>
                 </a:solidFill>
                 <a:latin typeface="Calibri"/>
+                <a:ea typeface="DejaVu Sans"/>
               </a:rPr>
               <a:t>QBR Summary</a:t>
             </a:r>
@@ -5958,7 +5985,7 @@
         <p:spPr>
           <a:xfrm>
             <a:off x="457200" y="1600200"/>
-            <a:ext cx="8228880" cy="4525200"/>
+            <a:ext cx="8228520" cy="4524840"/>
           </a:xfrm>
           <a:prstGeom prst="rect">
             <a:avLst/>
@@ -5979,7 +6006,7 @@
             <a:noAutofit/>
           </a:bodyPr>
           <a:p>
-            <a:pPr marL="343080" indent="-342360">
+            <a:pPr marL="343080" indent="-342000">
               <a:lnSpc>
                 <a:spcPct val="100000"/>
               </a:lnSpc>
@@ -5998,6 +6025,7 @@
                   <a:srgbClr val="000000"/>
                 </a:solidFill>
                 <a:latin typeface="Calibri"/>
+                <a:ea typeface="DejaVu Sans"/>
               </a:rPr>
               <a:t>Current Infrastructure &amp; Performance:</a:t>
             </a:r>
@@ -6006,7 +6034,7 @@
             </a:endParaRPr>
           </a:p>
           <a:p>
-            <a:pPr lvl="1" marL="743040" indent="-285120">
+            <a:pPr lvl="1" marL="743040" indent="-284760">
               <a:lnSpc>
                 <a:spcPct val="100000"/>
               </a:lnSpc>
@@ -6025,15 +6053,16 @@
                   <a:srgbClr val="000000"/>
                 </a:solidFill>
                 <a:latin typeface="Calibri"/>
+                <a:ea typeface="DejaVu Sans"/>
               </a:rPr>
-              <a:t>- DOKS cluster (autoscaling node pool), app pods behind DO Load Balancer.</a:t>
+              <a:t>DOKS cluster (autoscaling node pool), app pods behind DO Load Balancer.</a:t>
             </a:r>
             <a:endParaRPr b="0" lang="en-US" sz="2800" spc="-1" strike="noStrike">
               <a:latin typeface="Arial"/>
             </a:endParaRPr>
           </a:p>
           <a:p>
-            <a:pPr lvl="1" marL="743040" indent="-285120">
+            <a:pPr lvl="1" marL="743040" indent="-284760">
               <a:lnSpc>
                 <a:spcPct val="100000"/>
               </a:lnSpc>
@@ -6052,15 +6081,16 @@
                   <a:srgbClr val="000000"/>
                 </a:solidFill>
                 <a:latin typeface="Calibri"/>
+                <a:ea typeface="DejaVu Sans"/>
               </a:rPr>
-              <a:t>- Readiness/liveness probes ensure fast recovery; HPA up to 10 pods.</a:t>
+              <a:t>Readiness/liveness probes ensure fast recovery; HPA up to 10 pods.</a:t>
             </a:r>
             <a:endParaRPr b="0" lang="en-US" sz="2800" spc="-1" strike="noStrike">
               <a:latin typeface="Arial"/>
             </a:endParaRPr>
           </a:p>
           <a:p>
-            <a:pPr lvl="1" marL="743040" indent="-285120">
+            <a:pPr lvl="1" marL="743040" indent="-284760">
               <a:lnSpc>
                 <a:spcPct val="100000"/>
               </a:lnSpc>
@@ -6079,8 +6109,9 @@
                   <a:srgbClr val="000000"/>
                 </a:solidFill>
                 <a:latin typeface="Calibri"/>
+                <a:ea typeface="DejaVu Sans"/>
               </a:rPr>
-              <a:t>- Baseline response times under light load; scale-out improves throughput.</a:t>
+              <a:t>Baseline response times under light load; scale-out improves throughput.</a:t>
             </a:r>
             <a:endParaRPr b="0" lang="en-US" sz="2800" spc="-1" strike="noStrike">
               <a:latin typeface="Arial"/>
@@ -6127,7 +6158,7 @@
         <p:spPr>
           <a:xfrm>
             <a:off x="457200" y="274680"/>
-            <a:ext cx="8228880" cy="1142280"/>
+            <a:ext cx="8228520" cy="1141920"/>
           </a:xfrm>
           <a:prstGeom prst="rect">
             <a:avLst/>
@@ -6159,6 +6190,7 @@
                   <a:srgbClr val="000000"/>
                 </a:solidFill>
                 <a:latin typeface="Calibri"/>
+                <a:ea typeface="DejaVu Sans"/>
               </a:rPr>
               <a:t>QBR Summary</a:t>
             </a:r>
@@ -6177,7 +6209,7 @@
         <p:spPr>
           <a:xfrm>
             <a:off x="457200" y="1600200"/>
-            <a:ext cx="8228880" cy="4525200"/>
+            <a:ext cx="8228520" cy="4524840"/>
           </a:xfrm>
           <a:prstGeom prst="rect">
             <a:avLst/>
@@ -6198,7 +6230,7 @@
             <a:noAutofit/>
           </a:bodyPr>
           <a:p>
-            <a:pPr marL="343080" indent="-342360">
+            <a:pPr marL="343080" indent="-342000">
               <a:lnSpc>
                 <a:spcPct val="100000"/>
               </a:lnSpc>
@@ -6217,6 +6249,7 @@
                   <a:srgbClr val="000000"/>
                 </a:solidFill>
                 <a:latin typeface="Calibri"/>
+                <a:ea typeface="DejaVu Sans"/>
               </a:rPr>
               <a:t>Recommendations:</a:t>
             </a:r>
@@ -6225,7 +6258,7 @@
             </a:endParaRPr>
           </a:p>
           <a:p>
-            <a:pPr lvl="1" marL="743040" indent="-285120">
+            <a:pPr lvl="1" marL="743040" indent="-284760">
               <a:lnSpc>
                 <a:spcPct val="100000"/>
               </a:lnSpc>
@@ -6244,15 +6277,16 @@
                   <a:srgbClr val="000000"/>
                 </a:solidFill>
                 <a:latin typeface="Calibri"/>
+                <a:ea typeface="DejaVu Sans"/>
               </a:rPr>
-              <a:t>- Pin Kubernetes version; implement staging cluster; add CI/CD (GitHub Actions).</a:t>
+              <a:t>Pin Kubernetes version; implement staging cluster; add CI/CD (GitHub Actions).</a:t>
             </a:r>
             <a:endParaRPr b="0" lang="en-US" sz="2800" spc="-1" strike="noStrike">
               <a:latin typeface="Arial"/>
             </a:endParaRPr>
           </a:p>
           <a:p>
-            <a:pPr lvl="1" marL="743040" indent="-285120">
+            <a:pPr lvl="1" marL="743040" indent="-284760">
               <a:lnSpc>
                 <a:spcPct val="100000"/>
               </a:lnSpc>
@@ -6271,15 +6305,16 @@
                   <a:srgbClr val="000000"/>
                 </a:solidFill>
                 <a:latin typeface="Calibri"/>
+                <a:ea typeface="DejaVu Sans"/>
               </a:rPr>
-              <a:t>- Add Ingress + cert-manager for TLS; enable CDN for static assets.</a:t>
+              <a:t>Add Ingress + cert-manager for TLS; enable CDN for static assets.</a:t>
             </a:r>
             <a:endParaRPr b="0" lang="en-US" sz="2800" spc="-1" strike="noStrike">
               <a:latin typeface="Arial"/>
             </a:endParaRPr>
           </a:p>
           <a:p>
-            <a:pPr lvl="1" marL="743040" indent="-285120">
+            <a:pPr lvl="1" marL="743040" indent="-284760">
               <a:lnSpc>
                 <a:spcPct val="100000"/>
               </a:lnSpc>
@@ -6298,8 +6333,9 @@
                   <a:srgbClr val="000000"/>
                 </a:solidFill>
                 <a:latin typeface="Calibri"/>
+                <a:ea typeface="DejaVu Sans"/>
               </a:rPr>
-              <a:t>- Add SLOs + alerts; right-size requests/limits; consider autoscaling nodes to 0 on off-hours.</a:t>
+              <a:t>Add SLOs + alerts; right-size requests/limits; consider autoscaling nodes to 0 on off-hours.</a:t>
             </a:r>
             <a:endParaRPr b="0" lang="en-US" sz="2800" spc="-1" strike="noStrike">
               <a:latin typeface="Arial"/>
@@ -6346,7 +6382,7 @@
         <p:spPr>
           <a:xfrm>
             <a:off x="457200" y="274680"/>
-            <a:ext cx="8228880" cy="1142280"/>
+            <a:ext cx="8228520" cy="1141920"/>
           </a:xfrm>
           <a:prstGeom prst="rect">
             <a:avLst/>
@@ -6378,6 +6414,7 @@
                   <a:srgbClr val="000000"/>
                 </a:solidFill>
                 <a:latin typeface="Calibri"/>
+                <a:ea typeface="DejaVu Sans"/>
               </a:rPr>
               <a:t>QBR Summary</a:t>
             </a:r>
@@ -6396,7 +6433,7 @@
         <p:spPr>
           <a:xfrm>
             <a:off x="457200" y="1600200"/>
-            <a:ext cx="8228880" cy="4525200"/>
+            <a:ext cx="8228520" cy="4524840"/>
           </a:xfrm>
           <a:prstGeom prst="rect">
             <a:avLst/>
@@ -6417,7 +6454,7 @@
             <a:noAutofit/>
           </a:bodyPr>
           <a:p>
-            <a:pPr marL="343080" indent="-342360">
+            <a:pPr marL="343080" indent="-342000">
               <a:lnSpc>
                 <a:spcPct val="100000"/>
               </a:lnSpc>
@@ -6436,6 +6473,7 @@
                   <a:srgbClr val="000000"/>
                 </a:solidFill>
                 <a:latin typeface="Calibri"/>
+                <a:ea typeface="DejaVu Sans"/>
               </a:rPr>
               <a:t>Risks &amp; Mitigations:</a:t>
             </a:r>
@@ -6444,7 +6482,7 @@
             </a:endParaRPr>
           </a:p>
           <a:p>
-            <a:pPr lvl="1" marL="743040" indent="-285120">
+            <a:pPr lvl="1" marL="743040" indent="-284760">
               <a:lnSpc>
                 <a:spcPct val="100000"/>
               </a:lnSpc>
@@ -6463,15 +6501,16 @@
                   <a:srgbClr val="000000"/>
                 </a:solidFill>
                 <a:latin typeface="Calibri"/>
+                <a:ea typeface="DejaVu Sans"/>
               </a:rPr>
-              <a:t>- Redis is single-instance → add persistence or DO Managed Redis for HA.</a:t>
+              <a:t>Redis is single-instance → add persistence or DO Managed Redis for HA.</a:t>
             </a:r>
             <a:endParaRPr b="0" lang="en-US" sz="2800" spc="-1" strike="noStrike">
               <a:latin typeface="Arial"/>
             </a:endParaRPr>
           </a:p>
           <a:p>
-            <a:pPr lvl="1" marL="743040" indent="-285120">
+            <a:pPr lvl="1" marL="743040" indent="-284760">
               <a:lnSpc>
                 <a:spcPct val="100000"/>
               </a:lnSpc>
@@ -6490,15 +6529,16 @@
                   <a:srgbClr val="000000"/>
                 </a:solidFill>
                 <a:latin typeface="Calibri"/>
+                <a:ea typeface="DejaVu Sans"/>
               </a:rPr>
-              <a:t>- Cost drift with over-provisioning → enforce budgets + autoscaling + monitoring.</a:t>
+              <a:t>Cost drift with over-provisioning → enforce budgets + autoscaling + monitoring.</a:t>
             </a:r>
             <a:endParaRPr b="0" lang="en-US" sz="2800" spc="-1" strike="noStrike">
               <a:latin typeface="Arial"/>
             </a:endParaRPr>
           </a:p>
           <a:p>
-            <a:pPr lvl="1" marL="743040" indent="-285120">
+            <a:pPr lvl="1" marL="743040" indent="-284760">
               <a:lnSpc>
                 <a:spcPct val="100000"/>
               </a:lnSpc>
@@ -6517,8 +6557,9 @@
                   <a:srgbClr val="000000"/>
                 </a:solidFill>
                 <a:latin typeface="Calibri"/>
+                <a:ea typeface="DejaVu Sans"/>
               </a:rPr>
-              <a:t>- Traffic spikes → HPA + surge upgrades + pod disruption budgets.</a:t>
+              <a:t>Traffic spikes → HPA + surge upgrades + pod disruption budgets.</a:t>
             </a:r>
             <a:endParaRPr b="0" lang="en-US" sz="2800" spc="-1" strike="noStrike">
               <a:latin typeface="Arial"/>
